--- a/蝦談深度學習技術發展史.pptx
+++ b/蝦談深度學習技術發展史.pptx
@@ -6,7 +6,7 @@
     <p:sldMasterId id="2147483671" r:id="rId2"/>
   </p:sldMasterIdLst>
   <p:notesMasterIdLst>
-    <p:notesMasterId r:id="rId18"/>
+    <p:notesMasterId r:id="rId21"/>
   </p:notesMasterIdLst>
   <p:sldIdLst>
     <p:sldId id="256" r:id="rId3"/>
@@ -23,7 +23,10 @@
     <p:sldId id="335" r:id="rId14"/>
     <p:sldId id="337" r:id="rId15"/>
     <p:sldId id="336" r:id="rId16"/>
-    <p:sldId id="292" r:id="rId17"/>
+    <p:sldId id="340" r:id="rId17"/>
+    <p:sldId id="292" r:id="rId18"/>
+    <p:sldId id="339" r:id="rId19"/>
+    <p:sldId id="338" r:id="rId20"/>
   </p:sldIdLst>
   <p:sldSz cx="9144000" cy="5143500" type="screen16x9"/>
   <p:notesSz cx="6858000" cy="9144000"/>
@@ -834,10 +837,6 @@
               </a:spcAft>
               <a:buNone/>
             </a:pPr>
-            <a:r>
-              <a:rPr lang="zh-TW" altLang="en-US" dirty="0"/>
-              <a:t>具有置換自回歸序列模型的場景文本識別。</a:t>
-            </a:r>
             <a:endParaRPr dirty="0"/>
           </a:p>
         </p:txBody>
@@ -1797,6 +1796,186 @@
 </file>
 
 <file path=ppt/notesSlides/notesSlide15.xml><?xml version="1.0" encoding="utf-8"?>
+<p:notes xmlns:a="http://schemas.openxmlformats.org/drawingml/2006/main" xmlns:r="http://schemas.openxmlformats.org/officeDocument/2006/relationships" xmlns:p="http://schemas.openxmlformats.org/presentationml/2006/main" showMasterSp="0" showMasterPhAnim="0">
+  <p:cSld>
+    <p:spTree>
+      <p:nvGrpSpPr>
+        <p:cNvPr id="1" name="Shape 135"/>
+        <p:cNvGrpSpPr/>
+        <p:nvPr/>
+      </p:nvGrpSpPr>
+      <p:grpSpPr>
+        <a:xfrm>
+          <a:off x="0" y="0"/>
+          <a:ext cx="0" cy="0"/>
+          <a:chOff x="0" y="0"/>
+          <a:chExt cx="0" cy="0"/>
+        </a:xfrm>
+      </p:grpSpPr>
+      <p:sp>
+        <p:nvSpPr>
+          <p:cNvPr id="136" name="Google Shape;136;g1144437607e_2_96:notes"/>
+          <p:cNvSpPr>
+            <a:spLocks noGrp="1" noRot="1" noChangeAspect="1"/>
+          </p:cNvSpPr>
+          <p:nvPr>
+            <p:ph type="sldImg" idx="2"/>
+          </p:nvPr>
+        </p:nvSpPr>
+        <p:spPr>
+          <a:xfrm>
+            <a:off x="685800" y="1143000"/>
+            <a:ext cx="5486400" cy="3086100"/>
+          </a:xfrm>
+          <a:custGeom>
+            <a:avLst/>
+            <a:gdLst/>
+            <a:ahLst/>
+            <a:cxnLst/>
+            <a:rect l="l" t="t" r="r" b="b"/>
+            <a:pathLst>
+              <a:path w="120000" h="120000" extrusionOk="0">
+                <a:moveTo>
+                  <a:pt x="0" y="0"/>
+                </a:moveTo>
+                <a:lnTo>
+                  <a:pt x="120000" y="0"/>
+                </a:lnTo>
+                <a:lnTo>
+                  <a:pt x="120000" y="120000"/>
+                </a:lnTo>
+                <a:lnTo>
+                  <a:pt x="0" y="120000"/>
+                </a:lnTo>
+                <a:close/>
+              </a:path>
+            </a:pathLst>
+          </a:custGeom>
+          <a:noFill/>
+          <a:ln w="12700" cap="flat" cmpd="sng">
+            <a:solidFill>
+              <a:srgbClr val="000000"/>
+            </a:solidFill>
+            <a:prstDash val="solid"/>
+            <a:round/>
+            <a:headEnd type="none" w="sm" len="sm"/>
+            <a:tailEnd type="none" w="sm" len="sm"/>
+          </a:ln>
+        </p:spPr>
+      </p:sp>
+      <p:sp>
+        <p:nvSpPr>
+          <p:cNvPr id="137" name="Google Shape;137;g1144437607e_2_96:notes"/>
+          <p:cNvSpPr txBox="1">
+            <a:spLocks noGrp="1"/>
+          </p:cNvSpPr>
+          <p:nvPr>
+            <p:ph type="body" idx="1"/>
+          </p:nvPr>
+        </p:nvSpPr>
+        <p:spPr>
+          <a:xfrm>
+            <a:off x="685800" y="4400550"/>
+            <a:ext cx="5486400" cy="3600600"/>
+          </a:xfrm>
+          <a:prstGeom prst="rect">
+            <a:avLst/>
+          </a:prstGeom>
+          <a:noFill/>
+          <a:ln>
+            <a:noFill/>
+          </a:ln>
+        </p:spPr>
+        <p:txBody>
+          <a:bodyPr spcFirstLastPara="1" wrap="square" lIns="91425" tIns="45700" rIns="91425" bIns="45700" anchor="t" anchorCtr="0">
+            <a:noAutofit/>
+          </a:bodyPr>
+          <a:lstStyle/>
+          <a:p>
+            <a:pPr marL="0" marR="0" lvl="0" indent="0" algn="l" rtl="0">
+              <a:lnSpc>
+                <a:spcPct val="100000"/>
+              </a:lnSpc>
+              <a:spcBef>
+                <a:spcPts val="0"/>
+              </a:spcBef>
+              <a:spcAft>
+                <a:spcPts val="0"/>
+              </a:spcAft>
+              <a:buClr>
+                <a:schemeClr val="dk1"/>
+              </a:buClr>
+              <a:buSzPts val="1200"/>
+              <a:buFont typeface="Calibri"/>
+              <a:buNone/>
+            </a:pPr>
+            <a:endParaRPr lang="en-US" altLang="zh-TW" b="0" i="0" dirty="0">
+              <a:effectLst/>
+              <a:latin typeface="Arial" panose="020B0604020202020204" pitchFamily="34" charset="0"/>
+            </a:endParaRPr>
+          </a:p>
+        </p:txBody>
+      </p:sp>
+      <p:sp>
+        <p:nvSpPr>
+          <p:cNvPr id="138" name="Google Shape;138;g1144437607e_2_96:notes"/>
+          <p:cNvSpPr txBox="1">
+            <a:spLocks noGrp="1"/>
+          </p:cNvSpPr>
+          <p:nvPr>
+            <p:ph type="sldNum" idx="12"/>
+          </p:nvPr>
+        </p:nvSpPr>
+        <p:spPr>
+          <a:xfrm>
+            <a:off x="3884613" y="8685213"/>
+            <a:ext cx="2971800" cy="458700"/>
+          </a:xfrm>
+          <a:prstGeom prst="rect">
+            <a:avLst/>
+          </a:prstGeom>
+          <a:noFill/>
+          <a:ln>
+            <a:noFill/>
+          </a:ln>
+        </p:spPr>
+        <p:txBody>
+          <a:bodyPr spcFirstLastPara="1" wrap="square" lIns="91425" tIns="45700" rIns="91425" bIns="45700" anchor="b" anchorCtr="0">
+            <a:noAutofit/>
+          </a:bodyPr>
+          <a:lstStyle/>
+          <a:p>
+            <a:pPr marL="0" lvl="0" indent="0" algn="r" rtl="0">
+              <a:spcBef>
+                <a:spcPts val="0"/>
+              </a:spcBef>
+              <a:spcAft>
+                <a:spcPts val="0"/>
+              </a:spcAft>
+              <a:buNone/>
+            </a:pPr>
+            <a:fld id="{00000000-1234-1234-1234-123412341234}" type="slidenum">
+              <a:rPr lang="en-US" altLang="zh-TW"/>
+              <a:t>15</a:t>
+            </a:fld>
+            <a:endParaRPr/>
+          </a:p>
+        </p:txBody>
+      </p:sp>
+    </p:spTree>
+    <p:extLst>
+      <p:ext uri="{BB962C8B-B14F-4D97-AF65-F5344CB8AC3E}">
+        <p14:creationId xmlns:p14="http://schemas.microsoft.com/office/powerpoint/2010/main" val="4265166087"/>
+      </p:ext>
+    </p:extLst>
+  </p:cSld>
+  <p:clrMapOvr>
+    <a:masterClrMapping/>
+  </p:clrMapOvr>
+</p:notes>
+</file>
+
+<file path=ppt/notesSlides/notesSlide16.xml><?xml version="1.0" encoding="utf-8"?>
 <p:notes xmlns:a="http://schemas.openxmlformats.org/drawingml/2006/main" xmlns:r="http://schemas.openxmlformats.org/officeDocument/2006/relationships" xmlns:p="http://schemas.openxmlformats.org/presentationml/2006/main" showMasterSp="0" showMasterPhAnim="0">
   <p:cSld>
     <p:spTree>
@@ -18557,7 +18736,7 @@
         </p:nvSpPr>
         <p:spPr>
           <a:xfrm>
-            <a:off x="1453397" y="3566783"/>
+            <a:off x="773776" y="3582450"/>
             <a:ext cx="4583874" cy="307777"/>
           </a:xfrm>
           <a:prstGeom prst="rect">
@@ -19252,6 +19431,51 @@
               </a:rPr>
               <a:t>NAS</a:t>
             </a:r>
+            <a:r>
+              <a:rPr lang="zh-TW" altLang="en-US" sz="4400" b="1" dirty="0">
+                <a:solidFill>
+                  <a:srgbClr val="08244A"/>
+                </a:solidFill>
+                <a:latin typeface="Microsoft JhengHei"/>
+                <a:ea typeface="Microsoft JhengHei"/>
+                <a:cs typeface="Microsoft JhengHei"/>
+                <a:sym typeface="Microsoft JhengHei"/>
+              </a:rPr>
+              <a:t> </a:t>
+            </a:r>
+            <a:r>
+              <a:rPr lang="en-US" altLang="zh-TW" sz="4400" b="1" dirty="0">
+                <a:solidFill>
+                  <a:srgbClr val="08244A"/>
+                </a:solidFill>
+                <a:latin typeface="Microsoft JhengHei"/>
+                <a:ea typeface="Microsoft JhengHei"/>
+                <a:cs typeface="Microsoft JhengHei"/>
+                <a:sym typeface="Microsoft JhengHei"/>
+              </a:rPr>
+              <a:t>- </a:t>
+            </a:r>
+            <a:r>
+              <a:rPr lang="en-US" altLang="zh-TW" sz="4400" b="1" dirty="0" err="1">
+                <a:solidFill>
+                  <a:srgbClr val="08244A"/>
+                </a:solidFill>
+                <a:latin typeface="Microsoft JhengHei"/>
+                <a:ea typeface="Microsoft JhengHei"/>
+                <a:cs typeface="Microsoft JhengHei"/>
+                <a:sym typeface="Microsoft JhengHei"/>
+              </a:rPr>
+              <a:t>AutoML</a:t>
+            </a:r>
+            <a:endParaRPr lang="en-US" sz="4400" b="1" dirty="0">
+              <a:solidFill>
+                <a:srgbClr val="08244A"/>
+              </a:solidFill>
+              <a:latin typeface="Microsoft JhengHei"/>
+              <a:ea typeface="Microsoft JhengHei"/>
+              <a:cs typeface="Microsoft JhengHei"/>
+              <a:sym typeface="Microsoft JhengHei"/>
+            </a:endParaRPr>
           </a:p>
         </p:txBody>
       </p:sp>
@@ -19478,6 +19702,53 @@
           </a:extLst>
         </p:spPr>
       </p:pic>
+      <p:pic>
+        <p:nvPicPr>
+          <p:cNvPr id="3" name="Picture 4">
+            <a:extLst>
+              <a:ext uri="{FF2B5EF4-FFF2-40B4-BE49-F238E27FC236}">
+                <a16:creationId xmlns:a16="http://schemas.microsoft.com/office/drawing/2014/main" id="{185C170C-73E1-7473-0A52-FC1F49C8ECE9}"/>
+              </a:ext>
+            </a:extLst>
+          </p:cNvPr>
+          <p:cNvPicPr>
+            <a:picLocks noChangeAspect="1" noChangeArrowheads="1"/>
+          </p:cNvPicPr>
+          <p:nvPr/>
+        </p:nvPicPr>
+        <p:blipFill>
+          <a:blip r:embed="rId5">
+            <a:extLst>
+              <a:ext uri="{28A0092B-C50C-407E-A947-70E740481C1C}">
+                <a14:useLocalDpi xmlns:a14="http://schemas.microsoft.com/office/drawing/2010/main" val="0"/>
+              </a:ext>
+            </a:extLst>
+          </a:blip>
+          <a:srcRect/>
+          <a:stretch>
+            <a:fillRect/>
+          </a:stretch>
+        </p:blipFill>
+        <p:spPr bwMode="auto">
+          <a:xfrm>
+            <a:off x="-33072" y="3595607"/>
+            <a:ext cx="4224602" cy="1123627"/>
+          </a:xfrm>
+          <a:prstGeom prst="rect">
+            <a:avLst/>
+          </a:prstGeom>
+          <a:noFill/>
+          <a:extLst>
+            <a:ext uri="{909E8E84-426E-40DD-AFC4-6F175D3DCCD1}">
+              <a14:hiddenFill xmlns:a14="http://schemas.microsoft.com/office/drawing/2010/main">
+                <a:solidFill>
+                  <a:srgbClr val="FFFFFF"/>
+                </a:solidFill>
+              </a14:hiddenFill>
+            </a:ext>
+          </a:extLst>
+        </p:spPr>
+      </p:pic>
     </p:spTree>
     <p:extLst>
       <p:ext uri="{BB962C8B-B14F-4D97-AF65-F5344CB8AC3E}">
@@ -19871,8 +20142,8 @@
         </p:blipFill>
         <p:spPr bwMode="auto">
           <a:xfrm>
-            <a:off x="539051" y="1317010"/>
-            <a:ext cx="1917430" cy="3153539"/>
+            <a:off x="238051" y="1311720"/>
+            <a:ext cx="2047948" cy="3368198"/>
           </a:xfrm>
           <a:prstGeom prst="rect">
             <a:avLst/>
@@ -19918,8 +20189,8 @@
         </p:blipFill>
         <p:spPr bwMode="auto">
           <a:xfrm>
-            <a:off x="3022411" y="1478101"/>
-            <a:ext cx="5782018" cy="2992448"/>
+            <a:off x="2397908" y="1328446"/>
+            <a:ext cx="6508041" cy="3368197"/>
           </a:xfrm>
           <a:prstGeom prst="rect">
             <a:avLst/>
@@ -20820,366 +21091,6 @@
   <p:cSld>
     <p:spTree>
       <p:nvGrpSpPr>
-        <p:cNvPr id="1" name="Shape 674"/>
-        <p:cNvGrpSpPr/>
-        <p:nvPr/>
-      </p:nvGrpSpPr>
-      <p:grpSpPr>
-        <a:xfrm>
-          <a:off x="0" y="0"/>
-          <a:ext cx="0" cy="0"/>
-          <a:chOff x="0" y="0"/>
-          <a:chExt cx="0" cy="0"/>
-        </a:xfrm>
-      </p:grpSpPr>
-      <p:sp>
-        <p:nvSpPr>
-          <p:cNvPr id="675" name="Google Shape;675;p61"/>
-          <p:cNvSpPr txBox="1"/>
-          <p:nvPr/>
-        </p:nvSpPr>
-        <p:spPr>
-          <a:xfrm>
-            <a:off x="4312990" y="4919588"/>
-            <a:ext cx="518100" cy="238500"/>
-          </a:xfrm>
-          <a:prstGeom prst="rect">
-            <a:avLst/>
-          </a:prstGeom>
-          <a:solidFill>
-            <a:srgbClr val="08244A"/>
-          </a:solidFill>
-          <a:ln>
-            <a:noFill/>
-          </a:ln>
-        </p:spPr>
-        <p:txBody>
-          <a:bodyPr spcFirstLastPara="1" wrap="square" lIns="68575" tIns="34275" rIns="68575" bIns="34275" anchor="t" anchorCtr="0">
-            <a:spAutoFit/>
-          </a:bodyPr>
-          <a:lstStyle/>
-          <a:p>
-            <a:pPr marL="0" marR="0" lvl="0" indent="0" algn="ctr" rtl="0">
-              <a:spcBef>
-                <a:spcPts val="0"/>
-              </a:spcBef>
-              <a:spcAft>
-                <a:spcPts val="0"/>
-              </a:spcAft>
-              <a:buNone/>
-            </a:pPr>
-            <a:endParaRPr sz="1100">
-              <a:solidFill>
-                <a:schemeClr val="lt1"/>
-              </a:solidFill>
-              <a:latin typeface="Arial"/>
-              <a:ea typeface="Arial"/>
-              <a:cs typeface="Arial"/>
-              <a:sym typeface="Arial"/>
-            </a:endParaRPr>
-          </a:p>
-        </p:txBody>
-      </p:sp>
-      <p:sp>
-        <p:nvSpPr>
-          <p:cNvPr id="676" name="Google Shape;676;p61"/>
-          <p:cNvSpPr txBox="1"/>
-          <p:nvPr/>
-        </p:nvSpPr>
-        <p:spPr>
-          <a:xfrm>
-            <a:off x="446017" y="295050"/>
-            <a:ext cx="8048100" cy="838800"/>
-          </a:xfrm>
-          <a:prstGeom prst="rect">
-            <a:avLst/>
-          </a:prstGeom>
-          <a:noFill/>
-          <a:ln>
-            <a:noFill/>
-          </a:ln>
-        </p:spPr>
-        <p:txBody>
-          <a:bodyPr spcFirstLastPara="1" wrap="square" lIns="68575" tIns="34275" rIns="68575" bIns="34275" anchor="t" anchorCtr="0">
-            <a:spAutoFit/>
-          </a:bodyPr>
-          <a:lstStyle/>
-          <a:p>
-            <a:pPr marL="0" marR="0" lvl="0" indent="0" algn="l" rtl="0">
-              <a:spcBef>
-                <a:spcPts val="0"/>
-              </a:spcBef>
-              <a:spcAft>
-                <a:spcPts val="0"/>
-              </a:spcAft>
-              <a:buNone/>
-            </a:pPr>
-            <a:r>
-              <a:rPr lang="zh-TW" sz="5000" b="1">
-                <a:solidFill>
-                  <a:srgbClr val="08244A"/>
-                </a:solidFill>
-                <a:latin typeface="Microsoft JhengHei"/>
-                <a:ea typeface="Microsoft JhengHei"/>
-                <a:cs typeface="Microsoft JhengHei"/>
-                <a:sym typeface="Microsoft JhengHei"/>
-              </a:rPr>
-              <a:t>報告完畢 </a:t>
-            </a:r>
-            <a:r>
-              <a:rPr lang="zh-TW" sz="2700" b="1">
-                <a:solidFill>
-                  <a:srgbClr val="08244A"/>
-                </a:solidFill>
-                <a:latin typeface="Microsoft JhengHei"/>
-                <a:ea typeface="Microsoft JhengHei"/>
-                <a:cs typeface="Microsoft JhengHei"/>
-                <a:sym typeface="Microsoft JhengHei"/>
-              </a:rPr>
-              <a:t>THE END</a:t>
-            </a:r>
-            <a:endParaRPr sz="2700" b="1">
-              <a:solidFill>
-                <a:srgbClr val="08244A"/>
-              </a:solidFill>
-              <a:latin typeface="Microsoft JhengHei"/>
-              <a:ea typeface="Microsoft JhengHei"/>
-              <a:cs typeface="Microsoft JhengHei"/>
-              <a:sym typeface="Microsoft JhengHei"/>
-            </a:endParaRPr>
-          </a:p>
-        </p:txBody>
-      </p:sp>
-      <p:cxnSp>
-        <p:nvCxnSpPr>
-          <p:cNvPr id="677" name="Google Shape;677;p61"/>
-          <p:cNvCxnSpPr/>
-          <p:nvPr/>
-        </p:nvCxnSpPr>
-        <p:spPr>
-          <a:xfrm>
-            <a:off x="539036" y="1182847"/>
-            <a:ext cx="4586400" cy="0"/>
-          </a:xfrm>
-          <a:prstGeom prst="straightConnector1">
-            <a:avLst/>
-          </a:prstGeom>
-          <a:noFill/>
-          <a:ln w="38100" cap="flat" cmpd="sng">
-            <a:solidFill>
-              <a:srgbClr val="08244A"/>
-            </a:solidFill>
-            <a:prstDash val="solid"/>
-            <a:miter lim="800000"/>
-            <a:headEnd type="none" w="sm" len="sm"/>
-            <a:tailEnd type="none" w="sm" len="sm"/>
-          </a:ln>
-        </p:spPr>
-      </p:cxnSp>
-      <p:sp>
-        <p:nvSpPr>
-          <p:cNvPr id="678" name="Google Shape;678;p61"/>
-          <p:cNvSpPr txBox="1">
-            <a:spLocks noGrp="1"/>
-          </p:cNvSpPr>
-          <p:nvPr>
-            <p:ph type="sldNum" idx="12"/>
-          </p:nvPr>
-        </p:nvSpPr>
-        <p:spPr>
-          <a:xfrm>
-            <a:off x="3543300" y="4904660"/>
-            <a:ext cx="2057400" cy="273900"/>
-          </a:xfrm>
-          <a:prstGeom prst="rect">
-            <a:avLst/>
-          </a:prstGeom>
-          <a:noFill/>
-          <a:ln>
-            <a:noFill/>
-          </a:ln>
-        </p:spPr>
-        <p:txBody>
-          <a:bodyPr spcFirstLastPara="1" wrap="square" lIns="68575" tIns="34275" rIns="68575" bIns="34275" anchor="ctr" anchorCtr="0">
-            <a:noAutofit/>
-          </a:bodyPr>
-          <a:lstStyle/>
-          <a:p>
-            <a:pPr marL="0" lvl="0" indent="0" algn="ctr" rtl="0">
-              <a:spcBef>
-                <a:spcPts val="0"/>
-              </a:spcBef>
-              <a:spcAft>
-                <a:spcPts val="0"/>
-              </a:spcAft>
-              <a:buClr>
-                <a:srgbClr val="000000"/>
-              </a:buClr>
-              <a:buFont typeface="Arial"/>
-              <a:buNone/>
-            </a:pPr>
-            <a:fld id="{00000000-1234-1234-1234-123412341234}" type="slidenum">
-              <a:rPr lang="en-US" altLang="zh-TW"/>
-              <a:t>15</a:t>
-            </a:fld>
-            <a:endParaRPr/>
-          </a:p>
-        </p:txBody>
-      </p:sp>
-      <p:sp>
-        <p:nvSpPr>
-          <p:cNvPr id="679" name="Google Shape;679;p61"/>
-          <p:cNvSpPr txBox="1"/>
-          <p:nvPr/>
-        </p:nvSpPr>
-        <p:spPr>
-          <a:xfrm>
-            <a:off x="1527902" y="2437175"/>
-            <a:ext cx="6088200" cy="838800"/>
-          </a:xfrm>
-          <a:prstGeom prst="rect">
-            <a:avLst/>
-          </a:prstGeom>
-          <a:noFill/>
-          <a:ln>
-            <a:noFill/>
-          </a:ln>
-        </p:spPr>
-        <p:txBody>
-          <a:bodyPr spcFirstLastPara="1" wrap="square" lIns="68575" tIns="34275" rIns="68575" bIns="34275" anchor="t" anchorCtr="0">
-            <a:spAutoFit/>
-          </a:bodyPr>
-          <a:lstStyle/>
-          <a:p>
-            <a:pPr marL="0" marR="0" lvl="0" indent="0" algn="ctr" rtl="0">
-              <a:spcBef>
-                <a:spcPts val="0"/>
-              </a:spcBef>
-              <a:spcAft>
-                <a:spcPts val="0"/>
-              </a:spcAft>
-              <a:buNone/>
-            </a:pPr>
-            <a:r>
-              <a:rPr lang="zh-TW" sz="5000" b="1">
-                <a:solidFill>
-                  <a:srgbClr val="08244A"/>
-                </a:solidFill>
-                <a:latin typeface="Microsoft JhengHei"/>
-                <a:ea typeface="Microsoft JhengHei"/>
-                <a:cs typeface="Microsoft JhengHei"/>
-                <a:sym typeface="Microsoft JhengHei"/>
-              </a:rPr>
-              <a:t>謝謝 Thank You</a:t>
-            </a:r>
-            <a:endParaRPr sz="2700" b="1">
-              <a:solidFill>
-                <a:srgbClr val="08244A"/>
-              </a:solidFill>
-              <a:latin typeface="Microsoft JhengHei"/>
-              <a:ea typeface="Microsoft JhengHei"/>
-              <a:cs typeface="Microsoft JhengHei"/>
-              <a:sym typeface="Microsoft JhengHei"/>
-            </a:endParaRPr>
-          </a:p>
-        </p:txBody>
-      </p:sp>
-      <p:sp>
-        <p:nvSpPr>
-          <p:cNvPr id="2" name="Google Shape;142;p26">
-            <a:extLst>
-              <a:ext uri="{FF2B5EF4-FFF2-40B4-BE49-F238E27FC236}">
-                <a16:creationId xmlns:a16="http://schemas.microsoft.com/office/drawing/2014/main" id="{3CA95A7D-0A65-83E2-A135-F32A67FB5BBB}"/>
-              </a:ext>
-            </a:extLst>
-          </p:cNvPr>
-          <p:cNvSpPr txBox="1"/>
-          <p:nvPr/>
-        </p:nvSpPr>
-        <p:spPr>
-          <a:xfrm>
-            <a:off x="6709464" y="4919588"/>
-            <a:ext cx="2369472" cy="238497"/>
-          </a:xfrm>
-          <a:prstGeom prst="rect">
-            <a:avLst/>
-          </a:prstGeom>
-          <a:noFill/>
-          <a:ln>
-            <a:noFill/>
-          </a:ln>
-        </p:spPr>
-        <p:txBody>
-          <a:bodyPr spcFirstLastPara="1" wrap="square" lIns="68575" tIns="34275" rIns="68575" bIns="34275" anchor="t" anchorCtr="0">
-            <a:spAutoFit/>
-          </a:bodyPr>
-          <a:lstStyle/>
-          <a:p>
-            <a:pPr algn="r"/>
-            <a:r>
-              <a:rPr lang="en-US" altLang="zh-TW" sz="1100" dirty="0">
-                <a:solidFill>
-                  <a:srgbClr val="A5A5A5"/>
-                </a:solidFill>
-                <a:latin typeface="Consolas"/>
-                <a:ea typeface="Consolas"/>
-                <a:cs typeface="Consolas"/>
-                <a:sym typeface="Consolas"/>
-              </a:rPr>
-              <a:t>NTUST</a:t>
-            </a:r>
-            <a:r>
-              <a:rPr lang="zh-TW" altLang="en-US" sz="1100" dirty="0">
-                <a:solidFill>
-                  <a:srgbClr val="A5A5A5"/>
-                </a:solidFill>
-                <a:latin typeface="Consolas"/>
-                <a:ea typeface="Consolas"/>
-                <a:cs typeface="Consolas"/>
-                <a:sym typeface="Consolas"/>
-              </a:rPr>
-              <a:t>  </a:t>
-            </a:r>
-            <a:r>
-              <a:rPr lang="en-US" altLang="zh-TW" sz="1100" dirty="0" err="1">
-                <a:solidFill>
-                  <a:srgbClr val="A5A5A5"/>
-                </a:solidFill>
-                <a:latin typeface="Consolas"/>
-                <a:ea typeface="Consolas"/>
-                <a:cs typeface="Consolas"/>
-                <a:sym typeface="Consolas"/>
-              </a:rPr>
-              <a:t>GAMELab</a:t>
-            </a:r>
-            <a:r>
-              <a:rPr lang="en-US" altLang="zh-TW" sz="1100" dirty="0">
-                <a:solidFill>
-                  <a:srgbClr val="A5A5A5"/>
-                </a:solidFill>
-                <a:latin typeface="Consolas"/>
-                <a:ea typeface="Consolas"/>
-                <a:cs typeface="Consolas"/>
-                <a:sym typeface="Consolas"/>
-              </a:rPr>
-              <a:t> cs.CV cs.CL</a:t>
-            </a:r>
-          </a:p>
-        </p:txBody>
-      </p:sp>
-    </p:spTree>
-  </p:cSld>
-  <p:clrMapOvr>
-    <a:masterClrMapping/>
-  </p:clrMapOvr>
-</p:sld>
-</file>
-
-<file path=ppt/slides/slide2.xml><?xml version="1.0" encoding="utf-8"?>
-<p:sld xmlns:a="http://schemas.openxmlformats.org/drawingml/2006/main" xmlns:r="http://schemas.openxmlformats.org/officeDocument/2006/relationships" xmlns:p="http://schemas.openxmlformats.org/presentationml/2006/main">
-  <p:cSld>
-    <p:spTree>
-      <p:nvGrpSpPr>
         <p:cNvPr id="1" name="Shape 139"/>
         <p:cNvGrpSpPr/>
         <p:nvPr/>
@@ -21306,7 +21217,7 @@
             </a:pPr>
             <a:fld id="{00000000-1234-1234-1234-123412341234}" type="slidenum">
               <a:rPr lang="en-US" altLang="zh-TW" sz="1100"/>
-              <a:t>2</a:t>
+              <a:t>15</a:t>
             </a:fld>
             <a:endParaRPr sz="1100"/>
           </a:p>
@@ -21540,6 +21451,948 @@
     </p:spTree>
     <p:extLst>
       <p:ext uri="{BB962C8B-B14F-4D97-AF65-F5344CB8AC3E}">
+        <p14:creationId xmlns:p14="http://schemas.microsoft.com/office/powerpoint/2010/main" val="933996271"/>
+      </p:ext>
+    </p:extLst>
+  </p:cSld>
+  <p:clrMapOvr>
+    <a:masterClrMapping/>
+  </p:clrMapOvr>
+  <p:transition spd="slow">
+    <p:push/>
+  </p:transition>
+</p:sld>
+</file>
+
+<file path=ppt/slides/slide16.xml><?xml version="1.0" encoding="utf-8"?>
+<p:sld xmlns:a="http://schemas.openxmlformats.org/drawingml/2006/main" xmlns:r="http://schemas.openxmlformats.org/officeDocument/2006/relationships" xmlns:p="http://schemas.openxmlformats.org/presentationml/2006/main">
+  <p:cSld>
+    <p:spTree>
+      <p:nvGrpSpPr>
+        <p:cNvPr id="1" name="Shape 674"/>
+        <p:cNvGrpSpPr/>
+        <p:nvPr/>
+      </p:nvGrpSpPr>
+      <p:grpSpPr>
+        <a:xfrm>
+          <a:off x="0" y="0"/>
+          <a:ext cx="0" cy="0"/>
+          <a:chOff x="0" y="0"/>
+          <a:chExt cx="0" cy="0"/>
+        </a:xfrm>
+      </p:grpSpPr>
+      <p:sp>
+        <p:nvSpPr>
+          <p:cNvPr id="675" name="Google Shape;675;p61"/>
+          <p:cNvSpPr txBox="1"/>
+          <p:nvPr/>
+        </p:nvSpPr>
+        <p:spPr>
+          <a:xfrm>
+            <a:off x="4312990" y="4919588"/>
+            <a:ext cx="518100" cy="238500"/>
+          </a:xfrm>
+          <a:prstGeom prst="rect">
+            <a:avLst/>
+          </a:prstGeom>
+          <a:solidFill>
+            <a:srgbClr val="08244A"/>
+          </a:solidFill>
+          <a:ln>
+            <a:noFill/>
+          </a:ln>
+        </p:spPr>
+        <p:txBody>
+          <a:bodyPr spcFirstLastPara="1" wrap="square" lIns="68575" tIns="34275" rIns="68575" bIns="34275" anchor="t" anchorCtr="0">
+            <a:spAutoFit/>
+          </a:bodyPr>
+          <a:lstStyle/>
+          <a:p>
+            <a:pPr marL="0" marR="0" lvl="0" indent="0" algn="ctr" rtl="0">
+              <a:spcBef>
+                <a:spcPts val="0"/>
+              </a:spcBef>
+              <a:spcAft>
+                <a:spcPts val="0"/>
+              </a:spcAft>
+              <a:buNone/>
+            </a:pPr>
+            <a:endParaRPr sz="1100">
+              <a:solidFill>
+                <a:schemeClr val="lt1"/>
+              </a:solidFill>
+              <a:latin typeface="Arial"/>
+              <a:ea typeface="Arial"/>
+              <a:cs typeface="Arial"/>
+              <a:sym typeface="Arial"/>
+            </a:endParaRPr>
+          </a:p>
+        </p:txBody>
+      </p:sp>
+      <p:sp>
+        <p:nvSpPr>
+          <p:cNvPr id="676" name="Google Shape;676;p61"/>
+          <p:cNvSpPr txBox="1"/>
+          <p:nvPr/>
+        </p:nvSpPr>
+        <p:spPr>
+          <a:xfrm>
+            <a:off x="446017" y="295050"/>
+            <a:ext cx="8048100" cy="838800"/>
+          </a:xfrm>
+          <a:prstGeom prst="rect">
+            <a:avLst/>
+          </a:prstGeom>
+          <a:noFill/>
+          <a:ln>
+            <a:noFill/>
+          </a:ln>
+        </p:spPr>
+        <p:txBody>
+          <a:bodyPr spcFirstLastPara="1" wrap="square" lIns="68575" tIns="34275" rIns="68575" bIns="34275" anchor="t" anchorCtr="0">
+            <a:spAutoFit/>
+          </a:bodyPr>
+          <a:lstStyle/>
+          <a:p>
+            <a:pPr marL="0" marR="0" lvl="0" indent="0" algn="l" rtl="0">
+              <a:spcBef>
+                <a:spcPts val="0"/>
+              </a:spcBef>
+              <a:spcAft>
+                <a:spcPts val="0"/>
+              </a:spcAft>
+              <a:buNone/>
+            </a:pPr>
+            <a:r>
+              <a:rPr lang="zh-TW" sz="5000" b="1">
+                <a:solidFill>
+                  <a:srgbClr val="08244A"/>
+                </a:solidFill>
+                <a:latin typeface="Microsoft JhengHei"/>
+                <a:ea typeface="Microsoft JhengHei"/>
+                <a:cs typeface="Microsoft JhengHei"/>
+                <a:sym typeface="Microsoft JhengHei"/>
+              </a:rPr>
+              <a:t>報告完畢 </a:t>
+            </a:r>
+            <a:r>
+              <a:rPr lang="zh-TW" sz="2700" b="1">
+                <a:solidFill>
+                  <a:srgbClr val="08244A"/>
+                </a:solidFill>
+                <a:latin typeface="Microsoft JhengHei"/>
+                <a:ea typeface="Microsoft JhengHei"/>
+                <a:cs typeface="Microsoft JhengHei"/>
+                <a:sym typeface="Microsoft JhengHei"/>
+              </a:rPr>
+              <a:t>THE END</a:t>
+            </a:r>
+            <a:endParaRPr sz="2700" b="1">
+              <a:solidFill>
+                <a:srgbClr val="08244A"/>
+              </a:solidFill>
+              <a:latin typeface="Microsoft JhengHei"/>
+              <a:ea typeface="Microsoft JhengHei"/>
+              <a:cs typeface="Microsoft JhengHei"/>
+              <a:sym typeface="Microsoft JhengHei"/>
+            </a:endParaRPr>
+          </a:p>
+        </p:txBody>
+      </p:sp>
+      <p:cxnSp>
+        <p:nvCxnSpPr>
+          <p:cNvPr id="677" name="Google Shape;677;p61"/>
+          <p:cNvCxnSpPr/>
+          <p:nvPr/>
+        </p:nvCxnSpPr>
+        <p:spPr>
+          <a:xfrm>
+            <a:off x="539036" y="1182847"/>
+            <a:ext cx="4586400" cy="0"/>
+          </a:xfrm>
+          <a:prstGeom prst="straightConnector1">
+            <a:avLst/>
+          </a:prstGeom>
+          <a:noFill/>
+          <a:ln w="38100" cap="flat" cmpd="sng">
+            <a:solidFill>
+              <a:srgbClr val="08244A"/>
+            </a:solidFill>
+            <a:prstDash val="solid"/>
+            <a:miter lim="800000"/>
+            <a:headEnd type="none" w="sm" len="sm"/>
+            <a:tailEnd type="none" w="sm" len="sm"/>
+          </a:ln>
+        </p:spPr>
+      </p:cxnSp>
+      <p:sp>
+        <p:nvSpPr>
+          <p:cNvPr id="678" name="Google Shape;678;p61"/>
+          <p:cNvSpPr txBox="1">
+            <a:spLocks noGrp="1"/>
+          </p:cNvSpPr>
+          <p:nvPr>
+            <p:ph type="sldNum" idx="12"/>
+          </p:nvPr>
+        </p:nvSpPr>
+        <p:spPr>
+          <a:xfrm>
+            <a:off x="3543300" y="4904660"/>
+            <a:ext cx="2057400" cy="273900"/>
+          </a:xfrm>
+          <a:prstGeom prst="rect">
+            <a:avLst/>
+          </a:prstGeom>
+          <a:noFill/>
+          <a:ln>
+            <a:noFill/>
+          </a:ln>
+        </p:spPr>
+        <p:txBody>
+          <a:bodyPr spcFirstLastPara="1" wrap="square" lIns="68575" tIns="34275" rIns="68575" bIns="34275" anchor="ctr" anchorCtr="0">
+            <a:noAutofit/>
+          </a:bodyPr>
+          <a:lstStyle/>
+          <a:p>
+            <a:pPr marL="0" lvl="0" indent="0" algn="ctr" rtl="0">
+              <a:spcBef>
+                <a:spcPts val="0"/>
+              </a:spcBef>
+              <a:spcAft>
+                <a:spcPts val="0"/>
+              </a:spcAft>
+              <a:buClr>
+                <a:srgbClr val="000000"/>
+              </a:buClr>
+              <a:buFont typeface="Arial"/>
+              <a:buNone/>
+            </a:pPr>
+            <a:fld id="{00000000-1234-1234-1234-123412341234}" type="slidenum">
+              <a:rPr lang="en-US" altLang="zh-TW"/>
+              <a:t>16</a:t>
+            </a:fld>
+            <a:endParaRPr/>
+          </a:p>
+        </p:txBody>
+      </p:sp>
+      <p:sp>
+        <p:nvSpPr>
+          <p:cNvPr id="679" name="Google Shape;679;p61"/>
+          <p:cNvSpPr txBox="1"/>
+          <p:nvPr/>
+        </p:nvSpPr>
+        <p:spPr>
+          <a:xfrm>
+            <a:off x="1527902" y="2437175"/>
+            <a:ext cx="6088200" cy="838800"/>
+          </a:xfrm>
+          <a:prstGeom prst="rect">
+            <a:avLst/>
+          </a:prstGeom>
+          <a:noFill/>
+          <a:ln>
+            <a:noFill/>
+          </a:ln>
+        </p:spPr>
+        <p:txBody>
+          <a:bodyPr spcFirstLastPara="1" wrap="square" lIns="68575" tIns="34275" rIns="68575" bIns="34275" anchor="t" anchorCtr="0">
+            <a:spAutoFit/>
+          </a:bodyPr>
+          <a:lstStyle/>
+          <a:p>
+            <a:pPr marL="0" marR="0" lvl="0" indent="0" algn="ctr" rtl="0">
+              <a:spcBef>
+                <a:spcPts val="0"/>
+              </a:spcBef>
+              <a:spcAft>
+                <a:spcPts val="0"/>
+              </a:spcAft>
+              <a:buNone/>
+            </a:pPr>
+            <a:r>
+              <a:rPr lang="zh-TW" sz="5000" b="1">
+                <a:solidFill>
+                  <a:srgbClr val="08244A"/>
+                </a:solidFill>
+                <a:latin typeface="Microsoft JhengHei"/>
+                <a:ea typeface="Microsoft JhengHei"/>
+                <a:cs typeface="Microsoft JhengHei"/>
+                <a:sym typeface="Microsoft JhengHei"/>
+              </a:rPr>
+              <a:t>謝謝 Thank You</a:t>
+            </a:r>
+            <a:endParaRPr sz="2700" b="1">
+              <a:solidFill>
+                <a:srgbClr val="08244A"/>
+              </a:solidFill>
+              <a:latin typeface="Microsoft JhengHei"/>
+              <a:ea typeface="Microsoft JhengHei"/>
+              <a:cs typeface="Microsoft JhengHei"/>
+              <a:sym typeface="Microsoft JhengHei"/>
+            </a:endParaRPr>
+          </a:p>
+        </p:txBody>
+      </p:sp>
+      <p:sp>
+        <p:nvSpPr>
+          <p:cNvPr id="2" name="Google Shape;142;p26">
+            <a:extLst>
+              <a:ext uri="{FF2B5EF4-FFF2-40B4-BE49-F238E27FC236}">
+                <a16:creationId xmlns:a16="http://schemas.microsoft.com/office/drawing/2014/main" id="{3CA95A7D-0A65-83E2-A135-F32A67FB5BBB}"/>
+              </a:ext>
+            </a:extLst>
+          </p:cNvPr>
+          <p:cNvSpPr txBox="1"/>
+          <p:nvPr/>
+        </p:nvSpPr>
+        <p:spPr>
+          <a:xfrm>
+            <a:off x="6709464" y="4919588"/>
+            <a:ext cx="2369472" cy="238497"/>
+          </a:xfrm>
+          <a:prstGeom prst="rect">
+            <a:avLst/>
+          </a:prstGeom>
+          <a:noFill/>
+          <a:ln>
+            <a:noFill/>
+          </a:ln>
+        </p:spPr>
+        <p:txBody>
+          <a:bodyPr spcFirstLastPara="1" wrap="square" lIns="68575" tIns="34275" rIns="68575" bIns="34275" anchor="t" anchorCtr="0">
+            <a:spAutoFit/>
+          </a:bodyPr>
+          <a:lstStyle/>
+          <a:p>
+            <a:pPr algn="r"/>
+            <a:r>
+              <a:rPr lang="en-US" altLang="zh-TW" sz="1100" dirty="0">
+                <a:solidFill>
+                  <a:srgbClr val="A5A5A5"/>
+                </a:solidFill>
+                <a:latin typeface="Consolas"/>
+                <a:ea typeface="Consolas"/>
+                <a:cs typeface="Consolas"/>
+                <a:sym typeface="Consolas"/>
+              </a:rPr>
+              <a:t>NTUST</a:t>
+            </a:r>
+            <a:r>
+              <a:rPr lang="zh-TW" altLang="en-US" sz="1100" dirty="0">
+                <a:solidFill>
+                  <a:srgbClr val="A5A5A5"/>
+                </a:solidFill>
+                <a:latin typeface="Consolas"/>
+                <a:ea typeface="Consolas"/>
+                <a:cs typeface="Consolas"/>
+                <a:sym typeface="Consolas"/>
+              </a:rPr>
+              <a:t>  </a:t>
+            </a:r>
+            <a:r>
+              <a:rPr lang="en-US" altLang="zh-TW" sz="1100" dirty="0" err="1">
+                <a:solidFill>
+                  <a:srgbClr val="A5A5A5"/>
+                </a:solidFill>
+                <a:latin typeface="Consolas"/>
+                <a:ea typeface="Consolas"/>
+                <a:cs typeface="Consolas"/>
+                <a:sym typeface="Consolas"/>
+              </a:rPr>
+              <a:t>GAMELab</a:t>
+            </a:r>
+            <a:r>
+              <a:rPr lang="en-US" altLang="zh-TW" sz="1100" dirty="0">
+                <a:solidFill>
+                  <a:srgbClr val="A5A5A5"/>
+                </a:solidFill>
+                <a:latin typeface="Consolas"/>
+                <a:ea typeface="Consolas"/>
+                <a:cs typeface="Consolas"/>
+                <a:sym typeface="Consolas"/>
+              </a:rPr>
+              <a:t> cs.CV cs.CL</a:t>
+            </a:r>
+          </a:p>
+        </p:txBody>
+      </p:sp>
+    </p:spTree>
+  </p:cSld>
+  <p:clrMapOvr>
+    <a:masterClrMapping/>
+  </p:clrMapOvr>
+</p:sld>
+</file>
+
+<file path=ppt/slides/slide17.xml><?xml version="1.0" encoding="utf-8"?>
+<p:sld xmlns:a="http://schemas.openxmlformats.org/drawingml/2006/main" xmlns:r="http://schemas.openxmlformats.org/officeDocument/2006/relationships" xmlns:p="http://schemas.openxmlformats.org/presentationml/2006/main">
+  <p:cSld>
+    <p:spTree>
+      <p:nvGrpSpPr>
+        <p:cNvPr id="1" name=""/>
+        <p:cNvGrpSpPr/>
+        <p:nvPr/>
+      </p:nvGrpSpPr>
+      <p:grpSpPr>
+        <a:xfrm>
+          <a:off x="0" y="0"/>
+          <a:ext cx="0" cy="0"/>
+          <a:chOff x="0" y="0"/>
+          <a:chExt cx="0" cy="0"/>
+        </a:xfrm>
+      </p:grpSpPr>
+      <p:pic>
+        <p:nvPicPr>
+          <p:cNvPr id="2050" name="Picture 2">
+            <a:extLst>
+              <a:ext uri="{FF2B5EF4-FFF2-40B4-BE49-F238E27FC236}">
+                <a16:creationId xmlns:a16="http://schemas.microsoft.com/office/drawing/2014/main" id="{21B5C2AB-2DEC-78F5-5317-3B04EF4866CC}"/>
+              </a:ext>
+            </a:extLst>
+          </p:cNvPr>
+          <p:cNvPicPr>
+            <a:picLocks noChangeAspect="1" noChangeArrowheads="1"/>
+          </p:cNvPicPr>
+          <p:nvPr/>
+        </p:nvPicPr>
+        <p:blipFill>
+          <a:blip r:embed="rId2">
+            <a:extLst>
+              <a:ext uri="{28A0092B-C50C-407E-A947-70E740481C1C}">
+                <a14:useLocalDpi xmlns:a14="http://schemas.microsoft.com/office/drawing/2010/main" val="0"/>
+              </a:ext>
+            </a:extLst>
+          </a:blip>
+          <a:srcRect/>
+          <a:stretch>
+            <a:fillRect/>
+          </a:stretch>
+        </p:blipFill>
+        <p:spPr bwMode="auto">
+          <a:xfrm>
+            <a:off x="1150938" y="0"/>
+            <a:ext cx="6842125" cy="5143500"/>
+          </a:xfrm>
+          <a:prstGeom prst="rect">
+            <a:avLst/>
+          </a:prstGeom>
+          <a:noFill/>
+          <a:extLst>
+            <a:ext uri="{909E8E84-426E-40DD-AFC4-6F175D3DCCD1}">
+              <a14:hiddenFill xmlns:a14="http://schemas.microsoft.com/office/drawing/2010/main">
+                <a:solidFill>
+                  <a:srgbClr val="FFFFFF"/>
+                </a:solidFill>
+              </a14:hiddenFill>
+            </a:ext>
+          </a:extLst>
+        </p:spPr>
+      </p:pic>
+    </p:spTree>
+    <p:extLst>
+      <p:ext uri="{BB962C8B-B14F-4D97-AF65-F5344CB8AC3E}">
+        <p14:creationId xmlns:p14="http://schemas.microsoft.com/office/powerpoint/2010/main" val="3419461813"/>
+      </p:ext>
+    </p:extLst>
+  </p:cSld>
+  <p:clrMapOvr>
+    <a:masterClrMapping/>
+  </p:clrMapOvr>
+</p:sld>
+</file>
+
+<file path=ppt/slides/slide18.xml><?xml version="1.0" encoding="utf-8"?>
+<p:sld xmlns:a="http://schemas.openxmlformats.org/drawingml/2006/main" xmlns:r="http://schemas.openxmlformats.org/officeDocument/2006/relationships" xmlns:p="http://schemas.openxmlformats.org/presentationml/2006/main">
+  <p:cSld>
+    <p:spTree>
+      <p:nvGrpSpPr>
+        <p:cNvPr id="1" name=""/>
+        <p:cNvGrpSpPr/>
+        <p:nvPr/>
+      </p:nvGrpSpPr>
+      <p:grpSpPr>
+        <a:xfrm>
+          <a:off x="0" y="0"/>
+          <a:ext cx="0" cy="0"/>
+          <a:chOff x="0" y="0"/>
+          <a:chExt cx="0" cy="0"/>
+        </a:xfrm>
+      </p:grpSpPr>
+      <p:sp>
+        <p:nvSpPr>
+          <p:cNvPr id="2" name="標題 1">
+            <a:extLst>
+              <a:ext uri="{FF2B5EF4-FFF2-40B4-BE49-F238E27FC236}">
+                <a16:creationId xmlns:a16="http://schemas.microsoft.com/office/drawing/2014/main" id="{6FEBC73F-8C43-2589-01C1-2D11AF59B542}"/>
+              </a:ext>
+            </a:extLst>
+          </p:cNvPr>
+          <p:cNvSpPr>
+            <a:spLocks noGrp="1"/>
+          </p:cNvSpPr>
+          <p:nvPr>
+            <p:ph type="title"/>
+          </p:nvPr>
+        </p:nvSpPr>
+        <p:spPr/>
+        <p:txBody>
+          <a:bodyPr/>
+          <a:lstStyle/>
+          <a:p>
+            <a:endParaRPr lang="zh-TW" altLang="en-US"/>
+          </a:p>
+        </p:txBody>
+      </p:sp>
+      <p:sp>
+        <p:nvSpPr>
+          <p:cNvPr id="3" name="文字版面配置區 2">
+            <a:extLst>
+              <a:ext uri="{FF2B5EF4-FFF2-40B4-BE49-F238E27FC236}">
+                <a16:creationId xmlns:a16="http://schemas.microsoft.com/office/drawing/2014/main" id="{B7BE12A8-B694-BD9B-3D5A-55136C4C11F5}"/>
+              </a:ext>
+            </a:extLst>
+          </p:cNvPr>
+          <p:cNvSpPr>
+            <a:spLocks noGrp="1"/>
+          </p:cNvSpPr>
+          <p:nvPr>
+            <p:ph type="body" idx="1"/>
+          </p:nvPr>
+        </p:nvSpPr>
+        <p:spPr/>
+        <p:txBody>
+          <a:bodyPr/>
+          <a:lstStyle/>
+          <a:p>
+            <a:endParaRPr lang="zh-TW" altLang="en-US" dirty="0"/>
+          </a:p>
+        </p:txBody>
+      </p:sp>
+      <p:pic>
+        <p:nvPicPr>
+          <p:cNvPr id="1026" name="Picture 2">
+            <a:extLst>
+              <a:ext uri="{FF2B5EF4-FFF2-40B4-BE49-F238E27FC236}">
+                <a16:creationId xmlns:a16="http://schemas.microsoft.com/office/drawing/2014/main" id="{ABCF1C15-089B-9621-434A-51F67D307F7A}"/>
+              </a:ext>
+            </a:extLst>
+          </p:cNvPr>
+          <p:cNvPicPr>
+            <a:picLocks noChangeAspect="1" noChangeArrowheads="1"/>
+          </p:cNvPicPr>
+          <p:nvPr/>
+        </p:nvPicPr>
+        <p:blipFill>
+          <a:blip r:embed="rId2">
+            <a:extLst>
+              <a:ext uri="{28A0092B-C50C-407E-A947-70E740481C1C}">
+                <a14:useLocalDpi xmlns:a14="http://schemas.microsoft.com/office/drawing/2010/main" val="0"/>
+              </a:ext>
+            </a:extLst>
+          </a:blip>
+          <a:srcRect/>
+          <a:stretch>
+            <a:fillRect/>
+          </a:stretch>
+        </p:blipFill>
+        <p:spPr bwMode="auto">
+          <a:xfrm>
+            <a:off x="1143000" y="0"/>
+            <a:ext cx="6856413" cy="5143500"/>
+          </a:xfrm>
+          <a:prstGeom prst="rect">
+            <a:avLst/>
+          </a:prstGeom>
+          <a:noFill/>
+          <a:extLst>
+            <a:ext uri="{909E8E84-426E-40DD-AFC4-6F175D3DCCD1}">
+              <a14:hiddenFill xmlns:a14="http://schemas.microsoft.com/office/drawing/2010/main">
+                <a:solidFill>
+                  <a:srgbClr val="FFFFFF"/>
+                </a:solidFill>
+              </a14:hiddenFill>
+            </a:ext>
+          </a:extLst>
+        </p:spPr>
+      </p:pic>
+    </p:spTree>
+    <p:extLst>
+      <p:ext uri="{BB962C8B-B14F-4D97-AF65-F5344CB8AC3E}">
+        <p14:creationId xmlns:p14="http://schemas.microsoft.com/office/powerpoint/2010/main" val="4210456049"/>
+      </p:ext>
+    </p:extLst>
+  </p:cSld>
+  <p:clrMapOvr>
+    <a:masterClrMapping/>
+  </p:clrMapOvr>
+</p:sld>
+</file>
+
+<file path=ppt/slides/slide2.xml><?xml version="1.0" encoding="utf-8"?>
+<p:sld xmlns:a="http://schemas.openxmlformats.org/drawingml/2006/main" xmlns:r="http://schemas.openxmlformats.org/officeDocument/2006/relationships" xmlns:p="http://schemas.openxmlformats.org/presentationml/2006/main">
+  <p:cSld>
+    <p:spTree>
+      <p:nvGrpSpPr>
+        <p:cNvPr id="1" name="Shape 139"/>
+        <p:cNvGrpSpPr/>
+        <p:nvPr/>
+      </p:nvGrpSpPr>
+      <p:grpSpPr>
+        <a:xfrm>
+          <a:off x="0" y="0"/>
+          <a:ext cx="0" cy="0"/>
+          <a:chOff x="0" y="0"/>
+          <a:chExt cx="0" cy="0"/>
+        </a:xfrm>
+      </p:grpSpPr>
+      <p:cxnSp>
+        <p:nvCxnSpPr>
+          <p:cNvPr id="140" name="Google Shape;140;p26"/>
+          <p:cNvCxnSpPr/>
+          <p:nvPr/>
+        </p:nvCxnSpPr>
+        <p:spPr>
+          <a:xfrm rot="10800000">
+            <a:off x="471906" y="672952"/>
+            <a:ext cx="8200200" cy="0"/>
+          </a:xfrm>
+          <a:prstGeom prst="straightConnector1">
+            <a:avLst/>
+          </a:prstGeom>
+          <a:noFill/>
+          <a:ln w="38100" cap="flat" cmpd="sng">
+            <a:solidFill>
+              <a:srgbClr val="08244A"/>
+            </a:solidFill>
+            <a:prstDash val="solid"/>
+            <a:miter lim="800000"/>
+            <a:headEnd type="none" w="sm" len="sm"/>
+            <a:tailEnd type="none" w="sm" len="sm"/>
+          </a:ln>
+        </p:spPr>
+      </p:cxnSp>
+      <p:sp>
+        <p:nvSpPr>
+          <p:cNvPr id="141" name="Google Shape;141;p26"/>
+          <p:cNvSpPr txBox="1"/>
+          <p:nvPr/>
+        </p:nvSpPr>
+        <p:spPr>
+          <a:xfrm>
+            <a:off x="4312990" y="4919588"/>
+            <a:ext cx="518100" cy="238500"/>
+          </a:xfrm>
+          <a:prstGeom prst="rect">
+            <a:avLst/>
+          </a:prstGeom>
+          <a:solidFill>
+            <a:srgbClr val="08244A"/>
+          </a:solidFill>
+          <a:ln>
+            <a:noFill/>
+          </a:ln>
+        </p:spPr>
+        <p:txBody>
+          <a:bodyPr spcFirstLastPara="1" wrap="square" lIns="68575" tIns="34275" rIns="68575" bIns="34275" anchor="t" anchorCtr="0">
+            <a:spAutoFit/>
+          </a:bodyPr>
+          <a:lstStyle/>
+          <a:p>
+            <a:pPr marL="0" marR="0" lvl="0" indent="0" algn="ctr" rtl="0">
+              <a:spcBef>
+                <a:spcPts val="0"/>
+              </a:spcBef>
+              <a:spcAft>
+                <a:spcPts val="0"/>
+              </a:spcAft>
+              <a:buNone/>
+            </a:pPr>
+            <a:endParaRPr sz="1100">
+              <a:solidFill>
+                <a:schemeClr val="lt1"/>
+              </a:solidFill>
+              <a:latin typeface="Arial"/>
+              <a:ea typeface="Arial"/>
+              <a:cs typeface="Arial"/>
+              <a:sym typeface="Arial"/>
+            </a:endParaRPr>
+          </a:p>
+        </p:txBody>
+      </p:sp>
+      <p:sp>
+        <p:nvSpPr>
+          <p:cNvPr id="143" name="Google Shape;143;p26"/>
+          <p:cNvSpPr txBox="1">
+            <a:spLocks noGrp="1"/>
+          </p:cNvSpPr>
+          <p:nvPr>
+            <p:ph type="sldNum" idx="12"/>
+          </p:nvPr>
+        </p:nvSpPr>
+        <p:spPr>
+          <a:xfrm>
+            <a:off x="3543300" y="4904660"/>
+            <a:ext cx="2057400" cy="273900"/>
+          </a:xfrm>
+          <a:prstGeom prst="rect">
+            <a:avLst/>
+          </a:prstGeom>
+          <a:noFill/>
+          <a:ln>
+            <a:noFill/>
+          </a:ln>
+        </p:spPr>
+        <p:txBody>
+          <a:bodyPr spcFirstLastPara="1" wrap="square" lIns="68575" tIns="34275" rIns="68575" bIns="34275" anchor="ctr" anchorCtr="0">
+            <a:noAutofit/>
+          </a:bodyPr>
+          <a:lstStyle/>
+          <a:p>
+            <a:pPr marL="0" lvl="0" indent="0" algn="ctr" rtl="0">
+              <a:spcBef>
+                <a:spcPts val="0"/>
+              </a:spcBef>
+              <a:spcAft>
+                <a:spcPts val="0"/>
+              </a:spcAft>
+              <a:buNone/>
+            </a:pPr>
+            <a:fld id="{00000000-1234-1234-1234-123412341234}" type="slidenum">
+              <a:rPr lang="en-US" altLang="zh-TW" sz="1100"/>
+              <a:t>2</a:t>
+            </a:fld>
+            <a:endParaRPr sz="1100"/>
+          </a:p>
+        </p:txBody>
+      </p:sp>
+      <p:sp>
+        <p:nvSpPr>
+          <p:cNvPr id="144" name="Google Shape;144;p26"/>
+          <p:cNvSpPr txBox="1"/>
+          <p:nvPr/>
+        </p:nvSpPr>
+        <p:spPr>
+          <a:xfrm>
+            <a:off x="384098" y="-41751"/>
+            <a:ext cx="8759901" cy="746328"/>
+          </a:xfrm>
+          <a:prstGeom prst="rect">
+            <a:avLst/>
+          </a:prstGeom>
+          <a:noFill/>
+          <a:ln>
+            <a:noFill/>
+          </a:ln>
+        </p:spPr>
+        <p:txBody>
+          <a:bodyPr spcFirstLastPara="1" wrap="square" lIns="68575" tIns="34275" rIns="68575" bIns="34275" anchor="t" anchorCtr="0">
+            <a:spAutoFit/>
+          </a:bodyPr>
+          <a:lstStyle/>
+          <a:p>
+            <a:pPr marL="0" marR="0" lvl="0" indent="0" algn="l" rtl="0">
+              <a:spcBef>
+                <a:spcPts val="0"/>
+              </a:spcBef>
+              <a:spcAft>
+                <a:spcPts val="0"/>
+              </a:spcAft>
+              <a:buNone/>
+            </a:pPr>
+            <a:r>
+              <a:rPr lang="en-US" sz="4400" b="1" dirty="0">
+                <a:solidFill>
+                  <a:srgbClr val="08244A"/>
+                </a:solidFill>
+                <a:latin typeface="Microsoft JhengHei"/>
+                <a:ea typeface="Microsoft JhengHei"/>
+                <a:cs typeface="Microsoft JhengHei"/>
+                <a:sym typeface="Microsoft JhengHei"/>
+              </a:rPr>
+              <a:t>Roadmap</a:t>
+            </a:r>
+          </a:p>
+        </p:txBody>
+      </p:sp>
+      <p:sp>
+        <p:nvSpPr>
+          <p:cNvPr id="145" name="Google Shape;145;p26"/>
+          <p:cNvSpPr txBox="1"/>
+          <p:nvPr/>
+        </p:nvSpPr>
+        <p:spPr>
+          <a:xfrm>
+            <a:off x="471900" y="736201"/>
+            <a:ext cx="7422300" cy="369300"/>
+          </a:xfrm>
+          <a:prstGeom prst="rect">
+            <a:avLst/>
+          </a:prstGeom>
+          <a:noFill/>
+          <a:ln>
+            <a:noFill/>
+          </a:ln>
+        </p:spPr>
+        <p:txBody>
+          <a:bodyPr spcFirstLastPara="1" wrap="square" lIns="91425" tIns="91425" rIns="91425" bIns="91425" anchor="t" anchorCtr="0">
+            <a:spAutoFit/>
+          </a:bodyPr>
+          <a:lstStyle/>
+          <a:p>
+            <a:pPr marL="0" lvl="0" indent="0" algn="l" rtl="0">
+              <a:spcBef>
+                <a:spcPts val="0"/>
+              </a:spcBef>
+              <a:spcAft>
+                <a:spcPts val="0"/>
+              </a:spcAft>
+              <a:buNone/>
+            </a:pPr>
+            <a:endParaRPr sz="1200" b="1">
+              <a:solidFill>
+                <a:schemeClr val="dk1"/>
+              </a:solidFill>
+              <a:latin typeface="Microsoft JhengHei"/>
+              <a:ea typeface="Microsoft JhengHei"/>
+              <a:cs typeface="Microsoft JhengHei"/>
+              <a:sym typeface="Microsoft JhengHei"/>
+            </a:endParaRPr>
+          </a:p>
+        </p:txBody>
+      </p:sp>
+      <p:sp>
+        <p:nvSpPr>
+          <p:cNvPr id="2" name="Google Shape;142;p26">
+            <a:extLst>
+              <a:ext uri="{FF2B5EF4-FFF2-40B4-BE49-F238E27FC236}">
+                <a16:creationId xmlns:a16="http://schemas.microsoft.com/office/drawing/2014/main" id="{BD2CA0F0-1185-B7F8-E484-D2CD6776F4DB}"/>
+              </a:ext>
+            </a:extLst>
+          </p:cNvPr>
+          <p:cNvSpPr txBox="1"/>
+          <p:nvPr/>
+        </p:nvSpPr>
+        <p:spPr>
+          <a:xfrm>
+            <a:off x="6709464" y="4919588"/>
+            <a:ext cx="2369472" cy="238497"/>
+          </a:xfrm>
+          <a:prstGeom prst="rect">
+            <a:avLst/>
+          </a:prstGeom>
+          <a:noFill/>
+          <a:ln>
+            <a:noFill/>
+          </a:ln>
+        </p:spPr>
+        <p:txBody>
+          <a:bodyPr spcFirstLastPara="1" wrap="square" lIns="68575" tIns="34275" rIns="68575" bIns="34275" anchor="t" anchorCtr="0">
+            <a:spAutoFit/>
+          </a:bodyPr>
+          <a:lstStyle/>
+          <a:p>
+            <a:pPr algn="r"/>
+            <a:r>
+              <a:rPr lang="en-US" altLang="zh-TW" sz="1100" dirty="0">
+                <a:solidFill>
+                  <a:srgbClr val="A5A5A5"/>
+                </a:solidFill>
+                <a:latin typeface="Consolas"/>
+                <a:ea typeface="Consolas"/>
+                <a:cs typeface="Consolas"/>
+                <a:sym typeface="Consolas"/>
+              </a:rPr>
+              <a:t>NTUST</a:t>
+            </a:r>
+            <a:r>
+              <a:rPr lang="zh-TW" altLang="en-US" sz="1100" dirty="0">
+                <a:solidFill>
+                  <a:srgbClr val="A5A5A5"/>
+                </a:solidFill>
+                <a:latin typeface="Consolas"/>
+                <a:ea typeface="Consolas"/>
+                <a:cs typeface="Consolas"/>
+                <a:sym typeface="Consolas"/>
+              </a:rPr>
+              <a:t>  </a:t>
+            </a:r>
+            <a:r>
+              <a:rPr lang="en-US" altLang="zh-TW" sz="1100" dirty="0" err="1">
+                <a:solidFill>
+                  <a:srgbClr val="A5A5A5"/>
+                </a:solidFill>
+                <a:latin typeface="Consolas"/>
+                <a:ea typeface="Consolas"/>
+                <a:cs typeface="Consolas"/>
+                <a:sym typeface="Consolas"/>
+              </a:rPr>
+              <a:t>GAMELab</a:t>
+            </a:r>
+            <a:r>
+              <a:rPr lang="en-US" altLang="zh-TW" sz="1100" dirty="0">
+                <a:solidFill>
+                  <a:srgbClr val="A5A5A5"/>
+                </a:solidFill>
+                <a:latin typeface="Consolas"/>
+                <a:ea typeface="Consolas"/>
+                <a:cs typeface="Consolas"/>
+                <a:sym typeface="Consolas"/>
+              </a:rPr>
+              <a:t> cs.CV cs.CL</a:t>
+            </a:r>
+          </a:p>
+        </p:txBody>
+      </p:sp>
+      <p:pic>
+        <p:nvPicPr>
+          <p:cNvPr id="1028" name="Picture 4">
+            <a:extLst>
+              <a:ext uri="{FF2B5EF4-FFF2-40B4-BE49-F238E27FC236}">
+                <a16:creationId xmlns:a16="http://schemas.microsoft.com/office/drawing/2014/main" id="{C716C3E0-6F96-CEBD-3D49-89C4980C4FC5}"/>
+              </a:ext>
+            </a:extLst>
+          </p:cNvPr>
+          <p:cNvPicPr>
+            <a:picLocks noChangeAspect="1" noChangeArrowheads="1"/>
+          </p:cNvPicPr>
+          <p:nvPr/>
+        </p:nvPicPr>
+        <p:blipFill>
+          <a:blip r:embed="rId3">
+            <a:extLst>
+              <a:ext uri="{28A0092B-C50C-407E-A947-70E740481C1C}">
+                <a14:useLocalDpi xmlns:a14="http://schemas.microsoft.com/office/drawing/2010/main" val="0"/>
+              </a:ext>
+            </a:extLst>
+          </a:blip>
+          <a:srcRect/>
+          <a:stretch>
+            <a:fillRect/>
+          </a:stretch>
+        </p:blipFill>
+        <p:spPr bwMode="auto">
+          <a:xfrm>
+            <a:off x="0" y="1355725"/>
+            <a:ext cx="9144000" cy="2432050"/>
+          </a:xfrm>
+          <a:prstGeom prst="rect">
+            <a:avLst/>
+          </a:prstGeom>
+          <a:noFill/>
+          <a:extLst>
+            <a:ext uri="{909E8E84-426E-40DD-AFC4-6F175D3DCCD1}">
+              <a14:hiddenFill xmlns:a14="http://schemas.microsoft.com/office/drawing/2010/main">
+                <a:solidFill>
+                  <a:srgbClr val="FFFFFF"/>
+                </a:solidFill>
+              </a14:hiddenFill>
+            </a:ext>
+          </a:extLst>
+        </p:spPr>
+      </p:pic>
+    </p:spTree>
+    <p:extLst>
+      <p:ext uri="{BB962C8B-B14F-4D97-AF65-F5344CB8AC3E}">
         <p14:creationId xmlns:p14="http://schemas.microsoft.com/office/powerpoint/2010/main" val="2906426529"/>
       </p:ext>
     </p:extLst>
@@ -21966,7 +22819,7 @@
         <p:spPr>
           <a:xfrm>
             <a:off x="132629" y="2788794"/>
-            <a:ext cx="3619717" cy="1155525"/>
+            <a:ext cx="4008107" cy="1279511"/>
           </a:xfrm>
           <a:prstGeom prst="rect">
             <a:avLst/>
@@ -22454,7 +23307,7 @@
         </p:blipFill>
         <p:spPr>
           <a:xfrm>
-            <a:off x="181516" y="3912526"/>
+            <a:off x="384098" y="3911202"/>
             <a:ext cx="3073128" cy="791216"/>
           </a:xfrm>
           <a:prstGeom prst="rect">
@@ -22484,7 +23337,7 @@
         </p:blipFill>
         <p:spPr>
           <a:xfrm>
-            <a:off x="362425" y="2379315"/>
+            <a:off x="565007" y="2644744"/>
             <a:ext cx="2711310" cy="865534"/>
           </a:xfrm>
           <a:prstGeom prst="rect">
@@ -22509,8 +23362,8 @@
         </p:nvCxnSpPr>
         <p:spPr>
           <a:xfrm>
-            <a:off x="1718080" y="3244849"/>
-            <a:ext cx="0" cy="667677"/>
+            <a:off x="1920662" y="3510278"/>
+            <a:ext cx="0" cy="400924"/>
           </a:xfrm>
           <a:prstGeom prst="straightConnector1">
             <a:avLst/>
@@ -24106,8 +24959,8 @@
         </p:blipFill>
         <p:spPr bwMode="auto">
           <a:xfrm>
-            <a:off x="1061937" y="1715280"/>
-            <a:ext cx="3311964" cy="1861255"/>
+            <a:off x="604032" y="1787783"/>
+            <a:ext cx="4332179" cy="2434595"/>
           </a:xfrm>
           <a:prstGeom prst="rect">
             <a:avLst/>
@@ -24561,8 +25414,8 @@
         </p:blipFill>
         <p:spPr bwMode="auto">
           <a:xfrm>
-            <a:off x="232473" y="869093"/>
-            <a:ext cx="8555864" cy="3538206"/>
+            <a:off x="0" y="882858"/>
+            <a:ext cx="9384683" cy="3880957"/>
           </a:xfrm>
           <a:prstGeom prst="rect">
             <a:avLst/>
